--- a/Green проект презентация.pptx
+++ b/Green проект презентация.pptx
@@ -6740,14 +6740,34 @@
               <a:buNone/>
             </a:pPr>
             <a:r>
-              <a:rPr lang="ru"/>
-              <a:t>flask-login, flask-wtf</a:t>
+              <a:rPr lang="ru" dirty="0"/>
+              <a:t>flask-login, </a:t>
             </a:r>
-            <a:endParaRPr/>
+            <a:r>
+              <a:rPr lang="ru" dirty="0" smtClean="0"/>
+              <a:t>flask-wtf</a:t>
+            </a:r>
+            <a:endParaRPr lang="en-US" dirty="0"/>
           </a:p>
           <a:p>
             <a:pPr marL="0" lvl="0" indent="0" algn="l" rtl="0">
               <a:spcBef>
+                <a:spcPts val="0"/>
+              </a:spcBef>
+              <a:spcAft>
+                <a:spcPts val="0"/>
+              </a:spcAft>
+              <a:buNone/>
+            </a:pPr>
+            <a:r>
+              <a:rPr lang="en-US" dirty="0" err="1" smtClean="0"/>
+              <a:t>sqlalchemy</a:t>
+            </a:r>
+            <a:endParaRPr dirty="0"/>
+          </a:p>
+          <a:p>
+            <a:pPr marL="0" lvl="0" indent="0" algn="l" rtl="0">
+              <a:spcBef>
                 <a:spcPts val="1200"/>
               </a:spcBef>
               <a:spcAft>
@@ -6755,7 +6775,7 @@
               </a:spcAft>
               <a:buNone/>
             </a:pPr>
-            <a:endParaRPr/>
+            <a:endParaRPr dirty="0"/>
           </a:p>
         </p:txBody>
       </p:sp>
@@ -6945,10 +6965,14 @@
               <a:buNone/>
             </a:pPr>
             <a:r>
-              <a:rPr lang="ru"/>
-              <a:t>sqlalchemy</a:t>
+              <a:rPr lang="en-US" dirty="0" smtClean="0"/>
+              <a:t>User, Products, </a:t>
             </a:r>
-            <a:endParaRPr/>
+            <a:r>
+              <a:rPr lang="en-US" dirty="0" err="1" smtClean="0"/>
+              <a:t>Buyings</a:t>
+            </a:r>
+            <a:endParaRPr dirty="0"/>
           </a:p>
         </p:txBody>
       </p:sp>
@@ -7274,10 +7298,18 @@
               <a:buNone/>
             </a:pPr>
             <a:r>
-              <a:rPr lang="ru"/>
-              <a:t>Создавать веб-приложения на flask не очень легко, так как нужно знать много разнообразных методов, библиотек, но это очень интересный процесс. Создавая веб-приложение я не только получила ценный опыт при создании таких программ, также я осознала, что с помощью IT-технологий можно облегчить поиск товаров первой необходимости по скидочным ценам.</a:t>
+              <a:rPr lang="ru" dirty="0"/>
+              <a:t>Создавать веб-приложения на flask не очень легко, так как нужно знать много разнообразных методов, библиотек, но это очень интересный процесс. Создавая веб-приложение я не только получила ценный опыт при создании таких программ, также я осознала, что с помощью </a:t>
             </a:r>
-            <a:endParaRPr/>
+            <a:r>
+              <a:rPr lang="ru" dirty="0" smtClean="0"/>
+              <a:t>технологий </a:t>
+            </a:r>
+            <a:r>
+              <a:rPr lang="ru" dirty="0"/>
+              <a:t>можно облегчить поиск товаров первой необходимости по скидочным ценам.</a:t>
+            </a:r>
+            <a:endParaRPr dirty="0"/>
           </a:p>
         </p:txBody>
       </p:sp>
